--- a/Python vs R.pptx
+++ b/Python vs R.pptx
@@ -24,8 +24,10 @@
     <p:sldId id="285" r:id="rId18"/>
     <p:sldId id="286" r:id="rId19"/>
     <p:sldId id="288" r:id="rId20"/>
-    <p:sldId id="270" r:id="rId21"/>
-    <p:sldId id="271" r:id="rId22"/>
+    <p:sldId id="290" r:id="rId21"/>
+    <p:sldId id="289" r:id="rId22"/>
+    <p:sldId id="270" r:id="rId23"/>
+    <p:sldId id="271" r:id="rId24"/>
   </p:sldIdLst>
   <p:sldSz cx="12192000" cy="6858000"/>
   <p:notesSz cx="6858000" cy="9144000"/>
@@ -878,7 +880,7 @@
             <a:fld id="{B61BEF0D-F0BB-DE4B-95CE-6DB70DBA9567}" type="datetimeFigureOut">
               <a:rPr lang="en-US" dirty="0"/>
               <a:pPr/>
-              <a:t>1/29/2020</a:t>
+              <a:t>2/19/2020</a:t>
             </a:fld>
             <a:endParaRPr lang="en-US" dirty="0"/>
           </a:p>
@@ -1126,7 +1128,7 @@
             <a:fld id="{B61BEF0D-F0BB-DE4B-95CE-6DB70DBA9567}" type="datetimeFigureOut">
               <a:rPr lang="en-US" dirty="0"/>
               <a:pPr/>
-              <a:t>1/29/2020</a:t>
+              <a:t>2/19/2020</a:t>
             </a:fld>
             <a:endParaRPr lang="en-US" dirty="0"/>
           </a:p>
@@ -1437,7 +1439,7 @@
             <a:fld id="{B61BEF0D-F0BB-DE4B-95CE-6DB70DBA9567}" type="datetimeFigureOut">
               <a:rPr lang="en-US" dirty="0"/>
               <a:pPr/>
-              <a:t>1/29/2020</a:t>
+              <a:t>2/19/2020</a:t>
             </a:fld>
             <a:endParaRPr lang="en-US" dirty="0"/>
           </a:p>
@@ -1767,7 +1769,7 @@
             <a:fld id="{B61BEF0D-F0BB-DE4B-95CE-6DB70DBA9567}" type="datetimeFigureOut">
               <a:rPr lang="en-US" dirty="0"/>
               <a:pPr/>
-              <a:t>1/29/2020</a:t>
+              <a:t>2/19/2020</a:t>
             </a:fld>
             <a:endParaRPr lang="en-US" dirty="0"/>
           </a:p>
@@ -2078,7 +2080,7 @@
             <a:fld id="{B61BEF0D-F0BB-DE4B-95CE-6DB70DBA9567}" type="datetimeFigureOut">
               <a:rPr lang="en-US" dirty="0"/>
               <a:pPr/>
-              <a:t>1/29/2020</a:t>
+              <a:t>2/19/2020</a:t>
             </a:fld>
             <a:endParaRPr lang="en-US" dirty="0"/>
           </a:p>
@@ -2468,7 +2470,7 @@
             <a:fld id="{B61BEF0D-F0BB-DE4B-95CE-6DB70DBA9567}" type="datetimeFigureOut">
               <a:rPr lang="en-US" dirty="0"/>
               <a:pPr/>
-              <a:t>1/29/2020</a:t>
+              <a:t>2/19/2020</a:t>
             </a:fld>
             <a:endParaRPr lang="en-US" dirty="0"/>
           </a:p>
@@ -2634,7 +2636,7 @@
           <a:p>
             <a:fld id="{55C6B4A9-1611-4792-9094-5F34BCA07E0B}" type="datetimeFigureOut">
               <a:rPr lang="en-US" dirty="0"/>
-              <a:t>1/29/2020</a:t>
+              <a:t>2/19/2020</a:t>
             </a:fld>
             <a:endParaRPr lang="en-US" dirty="0"/>
           </a:p>
@@ -2810,7 +2812,7 @@
             <a:fld id="{B61BEF0D-F0BB-DE4B-95CE-6DB70DBA9567}" type="datetimeFigureOut">
               <a:rPr lang="en-US" dirty="0"/>
               <a:pPr/>
-              <a:t>1/29/2020</a:t>
+              <a:t>2/19/2020</a:t>
             </a:fld>
             <a:endParaRPr lang="en-US" dirty="0"/>
           </a:p>
@@ -2976,7 +2978,7 @@
           <a:p>
             <a:fld id="{42A54C80-263E-416B-A8E0-580EDEADCBDC}" type="datetimeFigureOut">
               <a:rPr lang="en-US" dirty="0"/>
-              <a:t>1/29/2020</a:t>
+              <a:t>2/19/2020</a:t>
             </a:fld>
             <a:endParaRPr lang="en-US" dirty="0"/>
           </a:p>
@@ -3219,7 +3221,7 @@
             <a:fld id="{B61BEF0D-F0BB-DE4B-95CE-6DB70DBA9567}" type="datetimeFigureOut">
               <a:rPr lang="en-US" dirty="0"/>
               <a:pPr/>
-              <a:t>1/29/2020</a:t>
+              <a:t>2/19/2020</a:t>
             </a:fld>
             <a:endParaRPr lang="en-US" dirty="0"/>
           </a:p>
@@ -3447,7 +3449,7 @@
           <a:p>
             <a:fld id="{42A54C80-263E-416B-A8E0-580EDEADCBDC}" type="datetimeFigureOut">
               <a:rPr lang="en-US" dirty="0"/>
-              <a:t>1/29/2020</a:t>
+              <a:t>2/19/2020</a:t>
             </a:fld>
             <a:endParaRPr lang="en-US" dirty="0"/>
           </a:p>
@@ -3817,7 +3819,7 @@
             <a:fld id="{B61BEF0D-F0BB-DE4B-95CE-6DB70DBA9567}" type="datetimeFigureOut">
               <a:rPr lang="en-US" dirty="0"/>
               <a:pPr/>
-              <a:t>1/29/2020</a:t>
+              <a:t>2/19/2020</a:t>
             </a:fld>
             <a:endParaRPr lang="en-US" dirty="0"/>
           </a:p>
@@ -3937,7 +3939,7 @@
             <a:fld id="{B61BEF0D-F0BB-DE4B-95CE-6DB70DBA9567}" type="datetimeFigureOut">
               <a:rPr lang="en-US" dirty="0"/>
               <a:pPr/>
-              <a:t>1/29/2020</a:t>
+              <a:t>2/19/2020</a:t>
             </a:fld>
             <a:endParaRPr lang="en-US" dirty="0"/>
           </a:p>
@@ -4029,7 +4031,7 @@
             <a:fld id="{B61BEF0D-F0BB-DE4B-95CE-6DB70DBA9567}" type="datetimeFigureOut">
               <a:rPr lang="en-US" dirty="0"/>
               <a:pPr/>
-              <a:t>1/29/2020</a:t>
+              <a:t>2/19/2020</a:t>
             </a:fld>
             <a:endParaRPr lang="en-US" dirty="0"/>
           </a:p>
@@ -4280,7 +4282,7 @@
           <a:p>
             <a:fld id="{42A54C80-263E-416B-A8E0-580EDEADCBDC}" type="datetimeFigureOut">
               <a:rPr lang="en-US" dirty="0"/>
-              <a:t>1/29/2020</a:t>
+              <a:t>2/19/2020</a:t>
             </a:fld>
             <a:endParaRPr lang="en-US" dirty="0"/>
           </a:p>
@@ -4582,7 +4584,7 @@
             <a:fld id="{B61BEF0D-F0BB-DE4B-95CE-6DB70DBA9567}" type="datetimeFigureOut">
               <a:rPr lang="en-US" dirty="0"/>
               <a:pPr/>
-              <a:t>1/29/2020</a:t>
+              <a:t>2/19/2020</a:t>
             </a:fld>
             <a:endParaRPr lang="en-US" dirty="0"/>
           </a:p>
@@ -5280,7 +5282,7 @@
             <a:fld id="{B61BEF0D-F0BB-DE4B-95CE-6DB70DBA9567}" type="datetimeFigureOut">
               <a:rPr lang="en-US" dirty="0"/>
               <a:pPr/>
-              <a:t>1/29/2020</a:t>
+              <a:t>2/19/2020</a:t>
             </a:fld>
             <a:endParaRPr lang="en-US" dirty="0"/>
           </a:p>
@@ -10206,6 +10208,21 @@
           </a:p>
           <a:p>
             <a:r>
+              <a:rPr lang="en-US" dirty="0" err="1">
+                <a:solidFill>
+                  <a:srgbClr val="FFFFFF"/>
+                </a:solidFill>
+              </a:rPr>
+              <a:t>Github</a:t>
+            </a:r>
+            <a:endParaRPr lang="en-US" dirty="0">
+              <a:solidFill>
+                <a:srgbClr val="FFFFFF"/>
+              </a:solidFill>
+            </a:endParaRPr>
+          </a:p>
+          <a:p>
+            <a:r>
               <a:rPr lang="en-US" dirty="0">
                 <a:solidFill>
                   <a:srgbClr val="FFFFFF"/>
@@ -10237,6 +10254,998 @@
 </file>
 
 <file path=ppt/slides/slide20.xml><?xml version="1.0" encoding="utf-8"?>
+<p:sld xmlns:a="http://schemas.openxmlformats.org/drawingml/2006/main" xmlns:r="http://schemas.openxmlformats.org/officeDocument/2006/relationships" xmlns:p="http://schemas.openxmlformats.org/presentationml/2006/main">
+  <p:cSld>
+    <p:bg>
+      <p:bgPr>
+        <a:solidFill>
+          <a:schemeClr val="bg2"/>
+        </a:solidFill>
+        <a:effectLst/>
+      </p:bgPr>
+    </p:bg>
+    <p:spTree>
+      <p:nvGrpSpPr>
+        <p:cNvPr id="1" name=""/>
+        <p:cNvGrpSpPr/>
+        <p:nvPr/>
+      </p:nvGrpSpPr>
+      <p:grpSpPr>
+        <a:xfrm>
+          <a:off x="0" y="0"/>
+          <a:ext cx="0" cy="0"/>
+          <a:chOff x="0" y="0"/>
+          <a:chExt cx="0" cy="0"/>
+        </a:xfrm>
+      </p:grpSpPr>
+      <p:sp useBgFill="1">
+        <p:nvSpPr>
+          <p:cNvPr id="8" name="Rectangle 7">
+            <a:extLst>
+              <a:ext uri="{FF2B5EF4-FFF2-40B4-BE49-F238E27FC236}">
+                <a16:creationId xmlns:a16="http://schemas.microsoft.com/office/drawing/2014/main" id="{A65AC7D1-EAA9-48F5-B509-60A7F50BF703}"/>
+              </a:ext>
+              <a:ext uri="{C183D7F6-B498-43B3-948B-1728B52AA6E4}">
+                <adec:decorative xmlns:adec="http://schemas.microsoft.com/office/drawing/2017/decorative" val="1"/>
+              </a:ext>
+            </a:extLst>
+          </p:cNvPr>
+          <p:cNvSpPr>
+            <a:spLocks noGrp="1" noRot="1" noChangeAspect="1" noMove="1" noResize="1" noEditPoints="1" noAdjustHandles="1" noChangeArrowheads="1" noChangeShapeType="1" noTextEdit="1"/>
+          </p:cNvSpPr>
+          <p:nvPr>
+            <p:extLst>
+              <p:ext uri="{386F3935-93C4-4BCD-93E2-E3B085C9AB24}">
+                <p16:designElem xmlns:p16="http://schemas.microsoft.com/office/powerpoint/2015/main" val="1"/>
+              </p:ext>
+            </p:extLst>
+          </p:nvPr>
+        </p:nvSpPr>
+        <p:spPr>
+          <a:xfrm>
+            <a:off x="0" y="0"/>
+            <a:ext cx="12192000" cy="6858000"/>
+          </a:xfrm>
+          <a:prstGeom prst="rect">
+            <a:avLst/>
+          </a:prstGeom>
+          <a:ln>
+            <a:noFill/>
+          </a:ln>
+        </p:spPr>
+        <p:style>
+          <a:lnRef idx="2">
+            <a:schemeClr val="accent1">
+              <a:shade val="50000"/>
+            </a:schemeClr>
+          </a:lnRef>
+          <a:fillRef idx="1">
+            <a:schemeClr val="accent1"/>
+          </a:fillRef>
+          <a:effectRef idx="0">
+            <a:schemeClr val="accent1"/>
+          </a:effectRef>
+          <a:fontRef idx="minor">
+            <a:schemeClr val="lt1"/>
+          </a:fontRef>
+        </p:style>
+        <p:txBody>
+          <a:bodyPr rtlCol="0" anchor="ctr"/>
+          <a:lstStyle/>
+          <a:p>
+            <a:pPr algn="ctr"/>
+            <a:endParaRPr lang="en-US" dirty="0"/>
+          </a:p>
+        </p:txBody>
+      </p:sp>
+      <p:sp useBgFill="1">
+        <p:nvSpPr>
+          <p:cNvPr id="10" name="Rectangle 9">
+            <a:extLst>
+              <a:ext uri="{FF2B5EF4-FFF2-40B4-BE49-F238E27FC236}">
+                <a16:creationId xmlns:a16="http://schemas.microsoft.com/office/drawing/2014/main" id="{D6320AF9-619A-4175-865B-5663E1AEF4C5}"/>
+              </a:ext>
+              <a:ext uri="{C183D7F6-B498-43B3-948B-1728B52AA6E4}">
+                <adec:decorative xmlns:adec="http://schemas.microsoft.com/office/drawing/2017/decorative" val="1"/>
+              </a:ext>
+            </a:extLst>
+          </p:cNvPr>
+          <p:cNvSpPr>
+            <a:spLocks noGrp="1" noRot="1" noChangeAspect="1" noMove="1" noResize="1" noEditPoints="1" noAdjustHandles="1" noChangeArrowheads="1" noChangeShapeType="1" noTextEdit="1"/>
+          </p:cNvSpPr>
+          <p:nvPr>
+            <p:extLst>
+              <p:ext uri="{386F3935-93C4-4BCD-93E2-E3B085C9AB24}">
+                <p16:designElem xmlns:p16="http://schemas.microsoft.com/office/powerpoint/2015/main" val="1"/>
+              </p:ext>
+            </p:extLst>
+          </p:nvPr>
+        </p:nvSpPr>
+        <p:spPr>
+          <a:xfrm>
+            <a:off x="0" y="0"/>
+            <a:ext cx="12192000" cy="6858000"/>
+          </a:xfrm>
+          <a:prstGeom prst="rect">
+            <a:avLst/>
+          </a:prstGeom>
+          <a:ln>
+            <a:noFill/>
+          </a:ln>
+        </p:spPr>
+        <p:style>
+          <a:lnRef idx="2">
+            <a:schemeClr val="accent1">
+              <a:shade val="50000"/>
+            </a:schemeClr>
+          </a:lnRef>
+          <a:fillRef idx="1">
+            <a:schemeClr val="accent1"/>
+          </a:fillRef>
+          <a:effectRef idx="0">
+            <a:schemeClr val="accent1"/>
+          </a:effectRef>
+          <a:fontRef idx="minor">
+            <a:schemeClr val="lt1"/>
+          </a:fontRef>
+        </p:style>
+        <p:txBody>
+          <a:bodyPr rtlCol="0" anchor="ctr"/>
+          <a:lstStyle/>
+          <a:p>
+            <a:pPr algn="ctr"/>
+            <a:endParaRPr lang="en-US"/>
+          </a:p>
+        </p:txBody>
+      </p:sp>
+      <p:cxnSp>
+        <p:nvCxnSpPr>
+          <p:cNvPr id="12" name="Straight Connector 11">
+            <a:extLst>
+              <a:ext uri="{FF2B5EF4-FFF2-40B4-BE49-F238E27FC236}">
+                <a16:creationId xmlns:a16="http://schemas.microsoft.com/office/drawing/2014/main" id="{063B6EC6-D752-4EE7-908B-F8F19E8C7FEA}"/>
+              </a:ext>
+              <a:ext uri="{C183D7F6-B498-43B3-948B-1728B52AA6E4}">
+                <adec:decorative xmlns:adec="http://schemas.microsoft.com/office/drawing/2017/decorative" val="1"/>
+              </a:ext>
+            </a:extLst>
+          </p:cNvPr>
+          <p:cNvCxnSpPr>
+            <a:cxnSpLocks noGrp="1" noRot="1" noChangeAspect="1" noMove="1" noResize="1" noEditPoints="1" noAdjustHandles="1" noChangeArrowheads="1" noChangeShapeType="1"/>
+          </p:cNvCxnSpPr>
+          <p:nvPr>
+            <p:extLst>
+              <p:ext uri="{386F3935-93C4-4BCD-93E2-E3B085C9AB24}">
+                <p16:designElem xmlns:p16="http://schemas.microsoft.com/office/powerpoint/2015/main" val="1"/>
+              </p:ext>
+            </p:extLst>
+          </p:nvPr>
+        </p:nvCxnSpPr>
+        <p:spPr>
+          <a:xfrm>
+            <a:off x="3953376" y="0"/>
+            <a:ext cx="1219200" cy="6858000"/>
+          </a:xfrm>
+          <a:prstGeom prst="line">
+            <a:avLst/>
+          </a:prstGeom>
+          <a:ln w="9525">
+            <a:solidFill>
+              <a:schemeClr val="accent1">
+                <a:lumMod val="75000"/>
+              </a:schemeClr>
+            </a:solidFill>
+          </a:ln>
+        </p:spPr>
+        <p:style>
+          <a:lnRef idx="2">
+            <a:schemeClr val="accent1"/>
+          </a:lnRef>
+          <a:fillRef idx="0">
+            <a:schemeClr val="accent1"/>
+          </a:fillRef>
+          <a:effectRef idx="1">
+            <a:schemeClr val="accent1"/>
+          </a:effectRef>
+          <a:fontRef idx="minor">
+            <a:schemeClr val="tx1"/>
+          </a:fontRef>
+        </p:style>
+      </p:cxnSp>
+      <p:cxnSp>
+        <p:nvCxnSpPr>
+          <p:cNvPr id="14" name="Straight Connector 13">
+            <a:extLst>
+              <a:ext uri="{FF2B5EF4-FFF2-40B4-BE49-F238E27FC236}">
+                <a16:creationId xmlns:a16="http://schemas.microsoft.com/office/drawing/2014/main" id="{EFECD4E8-AD3E-4228-82A2-9461958EA94D}"/>
+              </a:ext>
+              <a:ext uri="{C183D7F6-B498-43B3-948B-1728B52AA6E4}">
+                <adec:decorative xmlns:adec="http://schemas.microsoft.com/office/drawing/2017/decorative" val="1"/>
+              </a:ext>
+            </a:extLst>
+          </p:cNvPr>
+          <p:cNvCxnSpPr>
+            <a:cxnSpLocks noGrp="1" noRot="1" noChangeAspect="1" noMove="1" noResize="1" noEditPoints="1" noAdjustHandles="1" noChangeArrowheads="1" noChangeShapeType="1"/>
+          </p:cNvCxnSpPr>
+          <p:nvPr>
+            <p:extLst>
+              <p:ext uri="{386F3935-93C4-4BCD-93E2-E3B085C9AB24}">
+                <p16:designElem xmlns:p16="http://schemas.microsoft.com/office/powerpoint/2015/main" val="1"/>
+              </p:ext>
+            </p:extLst>
+          </p:nvPr>
+        </p:nvCxnSpPr>
+        <p:spPr>
+          <a:xfrm flipH="1">
+            <a:off x="2133042" y="3681413"/>
+            <a:ext cx="4763558" cy="3176587"/>
+          </a:xfrm>
+          <a:prstGeom prst="line">
+            <a:avLst/>
+          </a:prstGeom>
+          <a:ln w="9525">
+            <a:solidFill>
+              <a:schemeClr val="tx1">
+                <a:lumMod val="50000"/>
+                <a:lumOff val="50000"/>
+                <a:alpha val="80000"/>
+              </a:schemeClr>
+            </a:solidFill>
+          </a:ln>
+        </p:spPr>
+        <p:style>
+          <a:lnRef idx="2">
+            <a:schemeClr val="accent1"/>
+          </a:lnRef>
+          <a:fillRef idx="0">
+            <a:schemeClr val="accent1"/>
+          </a:fillRef>
+          <a:effectRef idx="1">
+            <a:schemeClr val="accent1"/>
+          </a:effectRef>
+          <a:fontRef idx="minor">
+            <a:schemeClr val="tx1"/>
+          </a:fontRef>
+        </p:style>
+      </p:cxnSp>
+      <p:sp>
+        <p:nvSpPr>
+          <p:cNvPr id="16" name="Rectangle 23">
+            <a:extLst>
+              <a:ext uri="{FF2B5EF4-FFF2-40B4-BE49-F238E27FC236}">
+                <a16:creationId xmlns:a16="http://schemas.microsoft.com/office/drawing/2014/main" id="{7E018740-5C2B-4A41-AC1A-7E68D1EC1954}"/>
+              </a:ext>
+              <a:ext uri="{C183D7F6-B498-43B3-948B-1728B52AA6E4}">
+                <adec:decorative xmlns:adec="http://schemas.microsoft.com/office/drawing/2017/decorative" val="1"/>
+              </a:ext>
+            </a:extLst>
+          </p:cNvPr>
+          <p:cNvSpPr>
+            <a:spLocks noGrp="1" noRot="1" noChangeAspect="1" noMove="1" noResize="1" noEditPoints="1" noAdjustHandles="1" noChangeArrowheads="1" noChangeShapeType="1" noTextEdit="1"/>
+          </p:cNvSpPr>
+          <p:nvPr>
+            <p:extLst>
+              <p:ext uri="{386F3935-93C4-4BCD-93E2-E3B085C9AB24}">
+                <p16:designElem xmlns:p16="http://schemas.microsoft.com/office/powerpoint/2015/main" val="1"/>
+              </p:ext>
+            </p:extLst>
+          </p:nvPr>
+        </p:nvSpPr>
+        <p:spPr>
+          <a:xfrm>
+            <a:off x="3324631" y="-8467"/>
+            <a:ext cx="3007349" cy="6866467"/>
+          </a:xfrm>
+          <a:custGeom>
+            <a:avLst/>
+            <a:gdLst/>
+            <a:ahLst/>
+            <a:cxnLst/>
+            <a:rect l="l" t="t" r="r" b="b"/>
+            <a:pathLst>
+              <a:path w="3007349" h="6866467">
+                <a:moveTo>
+                  <a:pt x="2045532" y="0"/>
+                </a:moveTo>
+                <a:lnTo>
+                  <a:pt x="3007349" y="0"/>
+                </a:lnTo>
+                <a:lnTo>
+                  <a:pt x="3007349" y="6866467"/>
+                </a:lnTo>
+                <a:lnTo>
+                  <a:pt x="0" y="6866467"/>
+                </a:lnTo>
+                <a:lnTo>
+                  <a:pt x="2045532" y="0"/>
+                </a:lnTo>
+                <a:close/>
+              </a:path>
+            </a:pathLst>
+          </a:custGeom>
+          <a:solidFill>
+            <a:schemeClr val="accent1">
+              <a:alpha val="30000"/>
+            </a:schemeClr>
+          </a:solidFill>
+          <a:ln>
+            <a:noFill/>
+          </a:ln>
+          <a:effectLst/>
+        </p:spPr>
+        <p:style>
+          <a:lnRef idx="1">
+            <a:schemeClr val="accent1"/>
+          </a:lnRef>
+          <a:fillRef idx="3">
+            <a:schemeClr val="accent1"/>
+          </a:fillRef>
+          <a:effectRef idx="2">
+            <a:schemeClr val="accent1"/>
+          </a:effectRef>
+          <a:fontRef idx="minor">
+            <a:schemeClr val="lt1"/>
+          </a:fontRef>
+        </p:style>
+      </p:sp>
+      <p:sp>
+        <p:nvSpPr>
+          <p:cNvPr id="18" name="Rectangle 25">
+            <a:extLst>
+              <a:ext uri="{FF2B5EF4-FFF2-40B4-BE49-F238E27FC236}">
+                <a16:creationId xmlns:a16="http://schemas.microsoft.com/office/drawing/2014/main" id="{166F75A4-C475-4941-8EE2-B80A06A2C1BB}"/>
+              </a:ext>
+              <a:ext uri="{C183D7F6-B498-43B3-948B-1728B52AA6E4}">
+                <adec:decorative xmlns:adec="http://schemas.microsoft.com/office/drawing/2017/decorative" val="1"/>
+              </a:ext>
+            </a:extLst>
+          </p:cNvPr>
+          <p:cNvSpPr>
+            <a:spLocks noGrp="1" noRot="1" noChangeAspect="1" noMove="1" noResize="1" noEditPoints="1" noAdjustHandles="1" noChangeArrowheads="1" noChangeShapeType="1" noTextEdit="1"/>
+          </p:cNvSpPr>
+          <p:nvPr>
+            <p:extLst>
+              <p:ext uri="{386F3935-93C4-4BCD-93E2-E3B085C9AB24}">
+                <p16:designElem xmlns:p16="http://schemas.microsoft.com/office/powerpoint/2015/main" val="1"/>
+              </p:ext>
+            </p:extLst>
+          </p:nvPr>
+        </p:nvSpPr>
+        <p:spPr>
+          <a:xfrm>
+            <a:off x="3746597" y="-8467"/>
+            <a:ext cx="2588558" cy="6866467"/>
+          </a:xfrm>
+          <a:custGeom>
+            <a:avLst/>
+            <a:gdLst/>
+            <a:ahLst/>
+            <a:cxnLst/>
+            <a:rect l="l" t="t" r="r" b="b"/>
+            <a:pathLst>
+              <a:path w="2573311" h="6866467">
+                <a:moveTo>
+                  <a:pt x="0" y="0"/>
+                </a:moveTo>
+                <a:lnTo>
+                  <a:pt x="2573311" y="0"/>
+                </a:lnTo>
+                <a:lnTo>
+                  <a:pt x="2573311" y="6866467"/>
+                </a:lnTo>
+                <a:lnTo>
+                  <a:pt x="1202336" y="6866467"/>
+                </a:lnTo>
+                <a:lnTo>
+                  <a:pt x="0" y="0"/>
+                </a:lnTo>
+                <a:close/>
+              </a:path>
+            </a:pathLst>
+          </a:custGeom>
+          <a:solidFill>
+            <a:schemeClr val="accent1">
+              <a:alpha val="20000"/>
+            </a:schemeClr>
+          </a:solidFill>
+          <a:ln>
+            <a:noFill/>
+          </a:ln>
+          <a:effectLst/>
+        </p:spPr>
+        <p:style>
+          <a:lnRef idx="1">
+            <a:schemeClr val="accent1"/>
+          </a:lnRef>
+          <a:fillRef idx="3">
+            <a:schemeClr val="accent1"/>
+          </a:fillRef>
+          <a:effectRef idx="2">
+            <a:schemeClr val="accent1"/>
+          </a:effectRef>
+          <a:fontRef idx="minor">
+            <a:schemeClr val="lt1"/>
+          </a:fontRef>
+        </p:style>
+      </p:sp>
+      <p:sp>
+        <p:nvSpPr>
+          <p:cNvPr id="20" name="Isosceles Triangle 19">
+            <a:extLst>
+              <a:ext uri="{FF2B5EF4-FFF2-40B4-BE49-F238E27FC236}">
+                <a16:creationId xmlns:a16="http://schemas.microsoft.com/office/drawing/2014/main" id="{A032553A-72E8-4B0D-8405-FF9771C9AF05}"/>
+              </a:ext>
+              <a:ext uri="{C183D7F6-B498-43B3-948B-1728B52AA6E4}">
+                <adec:decorative xmlns:adec="http://schemas.microsoft.com/office/drawing/2017/decorative" val="1"/>
+              </a:ext>
+            </a:extLst>
+          </p:cNvPr>
+          <p:cNvSpPr>
+            <a:spLocks noGrp="1" noRot="1" noChangeAspect="1" noMove="1" noResize="1" noEditPoints="1" noAdjustHandles="1" noChangeArrowheads="1" noChangeShapeType="1" noTextEdit="1"/>
+          </p:cNvSpPr>
+          <p:nvPr>
+            <p:extLst>
+              <p:ext uri="{386F3935-93C4-4BCD-93E2-E3B085C9AB24}">
+                <p16:designElem xmlns:p16="http://schemas.microsoft.com/office/powerpoint/2015/main" val="1"/>
+              </p:ext>
+            </p:extLst>
+          </p:nvPr>
+        </p:nvSpPr>
+        <p:spPr>
+          <a:xfrm>
+            <a:off x="3075488" y="3048000"/>
+            <a:ext cx="3259667" cy="3810000"/>
+          </a:xfrm>
+          <a:prstGeom prst="triangle">
+            <a:avLst>
+              <a:gd name="adj" fmla="val 100000"/>
+            </a:avLst>
+          </a:prstGeom>
+          <a:solidFill>
+            <a:schemeClr val="accent2">
+              <a:alpha val="72000"/>
+            </a:schemeClr>
+          </a:solidFill>
+          <a:ln>
+            <a:noFill/>
+          </a:ln>
+          <a:effectLst/>
+        </p:spPr>
+        <p:style>
+          <a:lnRef idx="1">
+            <a:schemeClr val="accent1"/>
+          </a:lnRef>
+          <a:fillRef idx="3">
+            <a:schemeClr val="accent1"/>
+          </a:fillRef>
+          <a:effectRef idx="2">
+            <a:schemeClr val="accent1"/>
+          </a:effectRef>
+          <a:fontRef idx="minor">
+            <a:schemeClr val="lt1"/>
+          </a:fontRef>
+        </p:style>
+      </p:sp>
+      <p:sp>
+        <p:nvSpPr>
+          <p:cNvPr id="22" name="Rectangle 27">
+            <a:extLst>
+              <a:ext uri="{FF2B5EF4-FFF2-40B4-BE49-F238E27FC236}">
+                <a16:creationId xmlns:a16="http://schemas.microsoft.com/office/drawing/2014/main" id="{765800AC-C3B9-498E-87BC-29FAE4C76B21}"/>
+              </a:ext>
+              <a:ext uri="{C183D7F6-B498-43B3-948B-1728B52AA6E4}">
+                <adec:decorative xmlns:adec="http://schemas.microsoft.com/office/drawing/2017/decorative" val="1"/>
+              </a:ext>
+            </a:extLst>
+          </p:cNvPr>
+          <p:cNvSpPr>
+            <a:spLocks noGrp="1" noRot="1" noChangeAspect="1" noMove="1" noResize="1" noEditPoints="1" noAdjustHandles="1" noChangeArrowheads="1" noChangeShapeType="1" noTextEdit="1"/>
+          </p:cNvSpPr>
+          <p:nvPr>
+            <p:extLst>
+              <p:ext uri="{386F3935-93C4-4BCD-93E2-E3B085C9AB24}">
+                <p16:designElem xmlns:p16="http://schemas.microsoft.com/office/powerpoint/2015/main" val="1"/>
+              </p:ext>
+            </p:extLst>
+          </p:nvPr>
+        </p:nvSpPr>
+        <p:spPr>
+          <a:xfrm>
+            <a:off x="3477655" y="-8467"/>
+            <a:ext cx="2854326" cy="6866467"/>
+          </a:xfrm>
+          <a:custGeom>
+            <a:avLst/>
+            <a:gdLst/>
+            <a:ahLst/>
+            <a:cxnLst/>
+            <a:rect l="l" t="t" r="r" b="b"/>
+            <a:pathLst>
+              <a:path w="2858013" h="6866467">
+                <a:moveTo>
+                  <a:pt x="0" y="0"/>
+                </a:moveTo>
+                <a:lnTo>
+                  <a:pt x="2858013" y="0"/>
+                </a:lnTo>
+                <a:lnTo>
+                  <a:pt x="2858013" y="6866467"/>
+                </a:lnTo>
+                <a:lnTo>
+                  <a:pt x="2473942" y="6866467"/>
+                </a:lnTo>
+                <a:lnTo>
+                  <a:pt x="0" y="0"/>
+                </a:lnTo>
+                <a:close/>
+              </a:path>
+            </a:pathLst>
+          </a:custGeom>
+          <a:solidFill>
+            <a:schemeClr val="accent2">
+              <a:lumMod val="75000"/>
+              <a:alpha val="70000"/>
+            </a:schemeClr>
+          </a:solidFill>
+          <a:ln>
+            <a:noFill/>
+          </a:ln>
+          <a:effectLst/>
+        </p:spPr>
+        <p:style>
+          <a:lnRef idx="1">
+            <a:schemeClr val="accent1"/>
+          </a:lnRef>
+          <a:fillRef idx="3">
+            <a:schemeClr val="accent1"/>
+          </a:fillRef>
+          <a:effectRef idx="2">
+            <a:schemeClr val="accent1"/>
+          </a:effectRef>
+          <a:fontRef idx="minor">
+            <a:schemeClr val="lt1"/>
+          </a:fontRef>
+        </p:style>
+      </p:sp>
+      <p:sp>
+        <p:nvSpPr>
+          <p:cNvPr id="24" name="Isosceles Triangle 23">
+            <a:extLst>
+              <a:ext uri="{FF2B5EF4-FFF2-40B4-BE49-F238E27FC236}">
+                <a16:creationId xmlns:a16="http://schemas.microsoft.com/office/drawing/2014/main" id="{1F9D6ACB-2FF4-49F9-978A-E0D5327FC635}"/>
+              </a:ext>
+              <a:ext uri="{C183D7F6-B498-43B3-948B-1728B52AA6E4}">
+                <adec:decorative xmlns:adec="http://schemas.microsoft.com/office/drawing/2017/decorative" val="1"/>
+              </a:ext>
+            </a:extLst>
+          </p:cNvPr>
+          <p:cNvSpPr>
+            <a:spLocks noGrp="1" noRot="1" noChangeAspect="1" noMove="1" noResize="1" noEditPoints="1" noAdjustHandles="1" noChangeArrowheads="1" noChangeShapeType="1" noTextEdit="1"/>
+          </p:cNvSpPr>
+          <p:nvPr>
+            <p:extLst>
+              <p:ext uri="{386F3935-93C4-4BCD-93E2-E3B085C9AB24}">
+                <p16:designElem xmlns:p16="http://schemas.microsoft.com/office/powerpoint/2015/main" val="1"/>
+              </p:ext>
+            </p:extLst>
+          </p:nvPr>
+        </p:nvSpPr>
+        <p:spPr>
+          <a:xfrm>
+            <a:off x="4514821" y="3589867"/>
+            <a:ext cx="1817159" cy="3268133"/>
+          </a:xfrm>
+          <a:prstGeom prst="triangle">
+            <a:avLst>
+              <a:gd name="adj" fmla="val 100000"/>
+            </a:avLst>
+          </a:prstGeom>
+          <a:solidFill>
+            <a:schemeClr val="accent1">
+              <a:alpha val="80000"/>
+            </a:schemeClr>
+          </a:solidFill>
+          <a:ln>
+            <a:noFill/>
+          </a:ln>
+          <a:effectLst/>
+        </p:spPr>
+        <p:style>
+          <a:lnRef idx="1">
+            <a:schemeClr val="accent1"/>
+          </a:lnRef>
+          <a:fillRef idx="3">
+            <a:schemeClr val="accent1"/>
+          </a:fillRef>
+          <a:effectRef idx="2">
+            <a:schemeClr val="accent1"/>
+          </a:effectRef>
+          <a:fontRef idx="minor">
+            <a:schemeClr val="lt1"/>
+          </a:fontRef>
+        </p:style>
+      </p:sp>
+      <p:sp>
+        <p:nvSpPr>
+          <p:cNvPr id="26" name="Freeform: Shape 25">
+            <a:extLst>
+              <a:ext uri="{FF2B5EF4-FFF2-40B4-BE49-F238E27FC236}">
+                <a16:creationId xmlns:a16="http://schemas.microsoft.com/office/drawing/2014/main" id="{142BFA2A-77A0-4F60-A32A-685681C84889}"/>
+              </a:ext>
+              <a:ext uri="{C183D7F6-B498-43B3-948B-1728B52AA6E4}">
+                <adec:decorative xmlns:adec="http://schemas.microsoft.com/office/drawing/2017/decorative" val="1"/>
+              </a:ext>
+            </a:extLst>
+          </p:cNvPr>
+          <p:cNvSpPr>
+            <a:spLocks noGrp="1" noRot="1" noChangeAspect="1" noMove="1" noResize="1" noEditPoints="1" noAdjustHandles="1" noChangeArrowheads="1" noChangeShapeType="1" noTextEdit="1"/>
+          </p:cNvSpPr>
+          <p:nvPr>
+            <p:extLst>
+              <p:ext uri="{386F3935-93C4-4BCD-93E2-E3B085C9AB24}">
+                <p16:designElem xmlns:p16="http://schemas.microsoft.com/office/powerpoint/2015/main" val="1"/>
+              </p:ext>
+            </p:extLst>
+          </p:nvPr>
+        </p:nvSpPr>
+        <p:spPr>
+          <a:xfrm>
+            <a:off x="5082154" y="-8467"/>
+            <a:ext cx="7109846" cy="6866467"/>
+          </a:xfrm>
+          <a:custGeom>
+            <a:avLst/>
+            <a:gdLst>
+              <a:gd name="connsiteX0" fmla="*/ 0 w 7109846"/>
+              <a:gd name="connsiteY0" fmla="*/ 0 h 6866467"/>
+              <a:gd name="connsiteX1" fmla="*/ 1249825 w 7109846"/>
+              <a:gd name="connsiteY1" fmla="*/ 0 h 6866467"/>
+              <a:gd name="connsiteX2" fmla="*/ 1249825 w 7109846"/>
+              <a:gd name="connsiteY2" fmla="*/ 8467 h 6866467"/>
+              <a:gd name="connsiteX3" fmla="*/ 7109846 w 7109846"/>
+              <a:gd name="connsiteY3" fmla="*/ 8467 h 6866467"/>
+              <a:gd name="connsiteX4" fmla="*/ 7109846 w 7109846"/>
+              <a:gd name="connsiteY4" fmla="*/ 6866467 h 6866467"/>
+              <a:gd name="connsiteX5" fmla="*/ 1249825 w 7109846"/>
+              <a:gd name="connsiteY5" fmla="*/ 6866467 h 6866467"/>
+              <a:gd name="connsiteX6" fmla="*/ 1109382 w 7109846"/>
+              <a:gd name="connsiteY6" fmla="*/ 6866467 h 6866467"/>
+            </a:gdLst>
+            <a:ahLst/>
+            <a:cxnLst>
+              <a:cxn ang="0">
+                <a:pos x="connsiteX0" y="connsiteY0"/>
+              </a:cxn>
+              <a:cxn ang="0">
+                <a:pos x="connsiteX1" y="connsiteY1"/>
+              </a:cxn>
+              <a:cxn ang="0">
+                <a:pos x="connsiteX2" y="connsiteY2"/>
+              </a:cxn>
+              <a:cxn ang="0">
+                <a:pos x="connsiteX3" y="connsiteY3"/>
+              </a:cxn>
+              <a:cxn ang="0">
+                <a:pos x="connsiteX4" y="connsiteY4"/>
+              </a:cxn>
+              <a:cxn ang="0">
+                <a:pos x="connsiteX5" y="connsiteY5"/>
+              </a:cxn>
+              <a:cxn ang="0">
+                <a:pos x="connsiteX6" y="connsiteY6"/>
+              </a:cxn>
+            </a:cxnLst>
+            <a:rect l="l" t="t" r="r" b="b"/>
+            <a:pathLst>
+              <a:path w="7109846" h="6866467">
+                <a:moveTo>
+                  <a:pt x="0" y="0"/>
+                </a:moveTo>
+                <a:lnTo>
+                  <a:pt x="1249825" y="0"/>
+                </a:lnTo>
+                <a:lnTo>
+                  <a:pt x="1249825" y="8467"/>
+                </a:lnTo>
+                <a:lnTo>
+                  <a:pt x="7109846" y="8467"/>
+                </a:lnTo>
+                <a:lnTo>
+                  <a:pt x="7109846" y="6866467"/>
+                </a:lnTo>
+                <a:lnTo>
+                  <a:pt x="1249825" y="6866467"/>
+                </a:lnTo>
+                <a:lnTo>
+                  <a:pt x="1109382" y="6866467"/>
+                </a:lnTo>
+                <a:close/>
+              </a:path>
+            </a:pathLst>
+          </a:custGeom>
+          <a:solidFill>
+            <a:schemeClr val="accent1">
+              <a:lumMod val="75000"/>
+            </a:schemeClr>
+          </a:solidFill>
+          <a:ln>
+            <a:noFill/>
+          </a:ln>
+        </p:spPr>
+        <p:style>
+          <a:lnRef idx="2">
+            <a:schemeClr val="accent1">
+              <a:shade val="50000"/>
+            </a:schemeClr>
+          </a:lnRef>
+          <a:fillRef idx="1">
+            <a:schemeClr val="accent1"/>
+          </a:fillRef>
+          <a:effectRef idx="0">
+            <a:schemeClr val="accent1"/>
+          </a:effectRef>
+          <a:fontRef idx="minor">
+            <a:schemeClr val="lt1"/>
+          </a:fontRef>
+        </p:style>
+        <p:txBody>
+          <a:bodyPr wrap="square" rtlCol="0" anchor="ctr">
+            <a:noAutofit/>
+          </a:bodyPr>
+          <a:lstStyle/>
+          <a:p>
+            <a:pPr algn="ctr"/>
+            <a:endParaRPr lang="en-US"/>
+          </a:p>
+        </p:txBody>
+      </p:sp>
+      <p:sp>
+        <p:nvSpPr>
+          <p:cNvPr id="2" name="Title 1">
+            <a:extLst>
+              <a:ext uri="{FF2B5EF4-FFF2-40B4-BE49-F238E27FC236}">
+                <a16:creationId xmlns:a16="http://schemas.microsoft.com/office/drawing/2014/main" id="{6A65B1E6-4541-4B3E-AAF7-35256A7CC3BF}"/>
+              </a:ext>
+            </a:extLst>
+          </p:cNvPr>
+          <p:cNvSpPr>
+            <a:spLocks noGrp="1"/>
+          </p:cNvSpPr>
+          <p:nvPr>
+            <p:ph type="title"/>
+          </p:nvPr>
+        </p:nvSpPr>
+        <p:spPr>
+          <a:xfrm>
+            <a:off x="677334" y="609599"/>
+            <a:ext cx="3843375" cy="5545667"/>
+          </a:xfrm>
+        </p:spPr>
+        <p:txBody>
+          <a:bodyPr anchor="ctr">
+            <a:normAutofit/>
+          </a:bodyPr>
+          <a:lstStyle/>
+          <a:p>
+            <a:r>
+              <a:rPr lang="en-US" dirty="0" err="1">
+                <a:solidFill>
+                  <a:schemeClr val="tx1">
+                    <a:lumMod val="85000"/>
+                    <a:lumOff val="15000"/>
+                  </a:schemeClr>
+                </a:solidFill>
+              </a:rPr>
+              <a:t>Github</a:t>
+            </a:r>
+            <a:endParaRPr lang="en-US" dirty="0">
+              <a:solidFill>
+                <a:schemeClr val="tx1">
+                  <a:lumMod val="85000"/>
+                  <a:lumOff val="15000"/>
+                </a:schemeClr>
+              </a:solidFill>
+            </a:endParaRPr>
+          </a:p>
+        </p:txBody>
+      </p:sp>
+    </p:spTree>
+    <p:extLst>
+      <p:ext uri="{BB962C8B-B14F-4D97-AF65-F5344CB8AC3E}">
+        <p14:creationId xmlns:p14="http://schemas.microsoft.com/office/powerpoint/2010/main" val="168252848"/>
+      </p:ext>
+    </p:extLst>
+  </p:cSld>
+  <p:clrMapOvr>
+    <a:overrideClrMapping bg1="dk1" tx1="lt1" bg2="dk2" tx2="lt2" accent1="accent1" accent2="accent2" accent3="accent3" accent4="accent4" accent5="accent5" accent6="accent6" hlink="hlink" folHlink="folHlink"/>
+  </p:clrMapOvr>
+</p:sld>
+</file>
+
+<file path=ppt/slides/slide21.xml><?xml version="1.0" encoding="utf-8"?>
+<p:sld xmlns:a="http://schemas.openxmlformats.org/drawingml/2006/main" xmlns:r="http://schemas.openxmlformats.org/officeDocument/2006/relationships" xmlns:p="http://schemas.openxmlformats.org/presentationml/2006/main">
+  <p:cSld>
+    <p:spTree>
+      <p:nvGrpSpPr>
+        <p:cNvPr id="1" name=""/>
+        <p:cNvGrpSpPr/>
+        <p:nvPr/>
+      </p:nvGrpSpPr>
+      <p:grpSpPr>
+        <a:xfrm>
+          <a:off x="0" y="0"/>
+          <a:ext cx="0" cy="0"/>
+          <a:chOff x="0" y="0"/>
+          <a:chExt cx="0" cy="0"/>
+        </a:xfrm>
+      </p:grpSpPr>
+      <p:sp>
+        <p:nvSpPr>
+          <p:cNvPr id="2" name="Title 1">
+            <a:extLst>
+              <a:ext uri="{FF2B5EF4-FFF2-40B4-BE49-F238E27FC236}">
+                <a16:creationId xmlns:a16="http://schemas.microsoft.com/office/drawing/2014/main" id="{6A65B1E6-4541-4B3E-AAF7-35256A7CC3BF}"/>
+              </a:ext>
+            </a:extLst>
+          </p:cNvPr>
+          <p:cNvSpPr>
+            <a:spLocks noGrp="1"/>
+          </p:cNvSpPr>
+          <p:nvPr>
+            <p:ph type="title"/>
+          </p:nvPr>
+        </p:nvSpPr>
+        <p:spPr>
+          <a:xfrm>
+            <a:off x="677334" y="609600"/>
+            <a:ext cx="8596668" cy="1320800"/>
+          </a:xfrm>
+        </p:spPr>
+        <p:txBody>
+          <a:bodyPr anchor="t">
+            <a:normAutofit/>
+          </a:bodyPr>
+          <a:lstStyle/>
+          <a:p>
+            <a:r>
+              <a:rPr lang="en-US" dirty="0" err="1"/>
+              <a:t>Github</a:t>
+            </a:r>
+            <a:endParaRPr lang="en-US" dirty="0"/>
+          </a:p>
+        </p:txBody>
+      </p:sp>
+      <p:sp>
+        <p:nvSpPr>
+          <p:cNvPr id="3" name="Content Placeholder 2">
+            <a:extLst>
+              <a:ext uri="{FF2B5EF4-FFF2-40B4-BE49-F238E27FC236}">
+                <a16:creationId xmlns:a16="http://schemas.microsoft.com/office/drawing/2014/main" id="{11AD0997-6CA8-4242-8774-94517E8C42C2}"/>
+              </a:ext>
+            </a:extLst>
+          </p:cNvPr>
+          <p:cNvSpPr>
+            <a:spLocks noGrp="1"/>
+          </p:cNvSpPr>
+          <p:nvPr>
+            <p:ph idx="1"/>
+          </p:nvPr>
+        </p:nvSpPr>
+        <p:spPr>
+          <a:xfrm>
+            <a:off x="677333" y="1930400"/>
+            <a:ext cx="8419601" cy="3931460"/>
+          </a:xfrm>
+        </p:spPr>
+        <p:txBody>
+          <a:bodyPr>
+            <a:normAutofit/>
+          </a:bodyPr>
+          <a:lstStyle/>
+          <a:p>
+            <a:pPr>
+              <a:lnSpc>
+                <a:spcPct val="90000"/>
+              </a:lnSpc>
+            </a:pPr>
+            <a:r>
+              <a:rPr lang="en-US" dirty="0">
+                <a:hlinkClick r:id="rId2"/>
+              </a:rPr>
+              <a:t>https://github.com/chrisholt0222/PythonvsR</a:t>
+            </a:r>
+            <a:endParaRPr lang="en-US" dirty="0"/>
+          </a:p>
+          <a:p>
+            <a:pPr marL="0" indent="0">
+              <a:lnSpc>
+                <a:spcPct val="90000"/>
+              </a:lnSpc>
+              <a:buNone/>
+            </a:pPr>
+            <a:endParaRPr lang="en-US" dirty="0"/>
+          </a:p>
+          <a:p>
+            <a:pPr>
+              <a:lnSpc>
+                <a:spcPct val="90000"/>
+              </a:lnSpc>
+            </a:pPr>
+            <a:r>
+              <a:rPr lang="en-US" dirty="0"/>
+              <a:t>Analysis of Home Pricing data using Python and R</a:t>
+            </a:r>
+          </a:p>
+          <a:p>
+            <a:pPr lvl="1">
+              <a:lnSpc>
+                <a:spcPct val="90000"/>
+              </a:lnSpc>
+            </a:pPr>
+            <a:r>
+              <a:rPr lang="en-US" dirty="0"/>
+              <a:t>R: “Analysis – </a:t>
+            </a:r>
+            <a:r>
+              <a:rPr lang="en-US" dirty="0" err="1"/>
+              <a:t>Rmarkup.rnd</a:t>
+            </a:r>
+            <a:r>
+              <a:rPr lang="en-US" dirty="0"/>
+              <a:t>”</a:t>
+            </a:r>
+          </a:p>
+          <a:p>
+            <a:pPr lvl="1">
+              <a:lnSpc>
+                <a:spcPct val="90000"/>
+              </a:lnSpc>
+            </a:pPr>
+            <a:r>
+              <a:rPr lang="en-US" dirty="0"/>
+              <a:t>Python: “Analysis – </a:t>
+            </a:r>
+            <a:r>
+              <a:rPr lang="en-US" dirty="0" err="1"/>
+              <a:t>Jupyter</a:t>
+            </a:r>
+            <a:r>
+              <a:rPr lang="en-US" dirty="0"/>
+              <a:t> </a:t>
+            </a:r>
+            <a:r>
+              <a:rPr lang="en-US" dirty="0" err="1"/>
+              <a:t>Notebook.ipynb</a:t>
+            </a:r>
+            <a:r>
+              <a:rPr lang="en-US" dirty="0"/>
+              <a:t>”</a:t>
+            </a:r>
+          </a:p>
+          <a:p>
+            <a:pPr lvl="1">
+              <a:lnSpc>
+                <a:spcPct val="90000"/>
+              </a:lnSpc>
+            </a:pPr>
+            <a:endParaRPr lang="en-US" dirty="0"/>
+          </a:p>
+        </p:txBody>
+      </p:sp>
+    </p:spTree>
+    <p:extLst>
+      <p:ext uri="{BB962C8B-B14F-4D97-AF65-F5344CB8AC3E}">
+        <p14:creationId xmlns:p14="http://schemas.microsoft.com/office/powerpoint/2010/main" val="2969566686"/>
+      </p:ext>
+    </p:extLst>
+  </p:cSld>
+  <p:clrMapOvr>
+    <a:masterClrMapping/>
+  </p:clrMapOvr>
+</p:sld>
+</file>
+
+<file path=ppt/slides/slide22.xml><?xml version="1.0" encoding="utf-8"?>
 <p:sld xmlns:a="http://schemas.openxmlformats.org/drawingml/2006/main" xmlns:r="http://schemas.openxmlformats.org/officeDocument/2006/relationships" xmlns:p="http://schemas.openxmlformats.org/presentationml/2006/main">
   <p:cSld>
     <p:bg>
@@ -11755,7 +12764,7 @@
 </p:sld>
 </file>
 
-<file path=ppt/slides/slide21.xml><?xml version="1.0" encoding="utf-8"?>
+<file path=ppt/slides/slide23.xml><?xml version="1.0" encoding="utf-8"?>
 <p:sld xmlns:a="http://schemas.openxmlformats.org/drawingml/2006/main" xmlns:r="http://schemas.openxmlformats.org/officeDocument/2006/relationships" xmlns:p="http://schemas.openxmlformats.org/presentationml/2006/main">
   <p:cSld>
     <p:spTree>

--- a/Python vs R.pptx
+++ b/Python vs R.pptx
@@ -880,7 +880,7 @@
             <a:fld id="{B61BEF0D-F0BB-DE4B-95CE-6DB70DBA9567}" type="datetimeFigureOut">
               <a:rPr lang="en-US" dirty="0"/>
               <a:pPr/>
-              <a:t>2/19/2020</a:t>
+              <a:t>2/24/2020</a:t>
             </a:fld>
             <a:endParaRPr lang="en-US" dirty="0"/>
           </a:p>
@@ -1128,7 +1128,7 @@
             <a:fld id="{B61BEF0D-F0BB-DE4B-95CE-6DB70DBA9567}" type="datetimeFigureOut">
               <a:rPr lang="en-US" dirty="0"/>
               <a:pPr/>
-              <a:t>2/19/2020</a:t>
+              <a:t>2/24/2020</a:t>
             </a:fld>
             <a:endParaRPr lang="en-US" dirty="0"/>
           </a:p>
@@ -1439,7 +1439,7 @@
             <a:fld id="{B61BEF0D-F0BB-DE4B-95CE-6DB70DBA9567}" type="datetimeFigureOut">
               <a:rPr lang="en-US" dirty="0"/>
               <a:pPr/>
-              <a:t>2/19/2020</a:t>
+              <a:t>2/24/2020</a:t>
             </a:fld>
             <a:endParaRPr lang="en-US" dirty="0"/>
           </a:p>
@@ -1769,7 +1769,7 @@
             <a:fld id="{B61BEF0D-F0BB-DE4B-95CE-6DB70DBA9567}" type="datetimeFigureOut">
               <a:rPr lang="en-US" dirty="0"/>
               <a:pPr/>
-              <a:t>2/19/2020</a:t>
+              <a:t>2/24/2020</a:t>
             </a:fld>
             <a:endParaRPr lang="en-US" dirty="0"/>
           </a:p>
@@ -2080,7 +2080,7 @@
             <a:fld id="{B61BEF0D-F0BB-DE4B-95CE-6DB70DBA9567}" type="datetimeFigureOut">
               <a:rPr lang="en-US" dirty="0"/>
               <a:pPr/>
-              <a:t>2/19/2020</a:t>
+              <a:t>2/24/2020</a:t>
             </a:fld>
             <a:endParaRPr lang="en-US" dirty="0"/>
           </a:p>
@@ -2470,7 +2470,7 @@
             <a:fld id="{B61BEF0D-F0BB-DE4B-95CE-6DB70DBA9567}" type="datetimeFigureOut">
               <a:rPr lang="en-US" dirty="0"/>
               <a:pPr/>
-              <a:t>2/19/2020</a:t>
+              <a:t>2/24/2020</a:t>
             </a:fld>
             <a:endParaRPr lang="en-US" dirty="0"/>
           </a:p>
@@ -2636,7 +2636,7 @@
           <a:p>
             <a:fld id="{55C6B4A9-1611-4792-9094-5F34BCA07E0B}" type="datetimeFigureOut">
               <a:rPr lang="en-US" dirty="0"/>
-              <a:t>2/19/2020</a:t>
+              <a:t>2/24/2020</a:t>
             </a:fld>
             <a:endParaRPr lang="en-US" dirty="0"/>
           </a:p>
@@ -2812,7 +2812,7 @@
             <a:fld id="{B61BEF0D-F0BB-DE4B-95CE-6DB70DBA9567}" type="datetimeFigureOut">
               <a:rPr lang="en-US" dirty="0"/>
               <a:pPr/>
-              <a:t>2/19/2020</a:t>
+              <a:t>2/24/2020</a:t>
             </a:fld>
             <a:endParaRPr lang="en-US" dirty="0"/>
           </a:p>
@@ -2978,7 +2978,7 @@
           <a:p>
             <a:fld id="{42A54C80-263E-416B-A8E0-580EDEADCBDC}" type="datetimeFigureOut">
               <a:rPr lang="en-US" dirty="0"/>
-              <a:t>2/19/2020</a:t>
+              <a:t>2/24/2020</a:t>
             </a:fld>
             <a:endParaRPr lang="en-US" dirty="0"/>
           </a:p>
@@ -3221,7 +3221,7 @@
             <a:fld id="{B61BEF0D-F0BB-DE4B-95CE-6DB70DBA9567}" type="datetimeFigureOut">
               <a:rPr lang="en-US" dirty="0"/>
               <a:pPr/>
-              <a:t>2/19/2020</a:t>
+              <a:t>2/24/2020</a:t>
             </a:fld>
             <a:endParaRPr lang="en-US" dirty="0"/>
           </a:p>
@@ -3449,7 +3449,7 @@
           <a:p>
             <a:fld id="{42A54C80-263E-416B-A8E0-580EDEADCBDC}" type="datetimeFigureOut">
               <a:rPr lang="en-US" dirty="0"/>
-              <a:t>2/19/2020</a:t>
+              <a:t>2/24/2020</a:t>
             </a:fld>
             <a:endParaRPr lang="en-US" dirty="0"/>
           </a:p>
@@ -3819,7 +3819,7 @@
             <a:fld id="{B61BEF0D-F0BB-DE4B-95CE-6DB70DBA9567}" type="datetimeFigureOut">
               <a:rPr lang="en-US" dirty="0"/>
               <a:pPr/>
-              <a:t>2/19/2020</a:t>
+              <a:t>2/24/2020</a:t>
             </a:fld>
             <a:endParaRPr lang="en-US" dirty="0"/>
           </a:p>
@@ -3939,7 +3939,7 @@
             <a:fld id="{B61BEF0D-F0BB-DE4B-95CE-6DB70DBA9567}" type="datetimeFigureOut">
               <a:rPr lang="en-US" dirty="0"/>
               <a:pPr/>
-              <a:t>2/19/2020</a:t>
+              <a:t>2/24/2020</a:t>
             </a:fld>
             <a:endParaRPr lang="en-US" dirty="0"/>
           </a:p>
@@ -4031,7 +4031,7 @@
             <a:fld id="{B61BEF0D-F0BB-DE4B-95CE-6DB70DBA9567}" type="datetimeFigureOut">
               <a:rPr lang="en-US" dirty="0"/>
               <a:pPr/>
-              <a:t>2/19/2020</a:t>
+              <a:t>2/24/2020</a:t>
             </a:fld>
             <a:endParaRPr lang="en-US" dirty="0"/>
           </a:p>
@@ -4282,7 +4282,7 @@
           <a:p>
             <a:fld id="{42A54C80-263E-416B-A8E0-580EDEADCBDC}" type="datetimeFigureOut">
               <a:rPr lang="en-US" dirty="0"/>
-              <a:t>2/19/2020</a:t>
+              <a:t>2/24/2020</a:t>
             </a:fld>
             <a:endParaRPr lang="en-US" dirty="0"/>
           </a:p>
@@ -4584,7 +4584,7 @@
             <a:fld id="{B61BEF0D-F0BB-DE4B-95CE-6DB70DBA9567}" type="datetimeFigureOut">
               <a:rPr lang="en-US" dirty="0"/>
               <a:pPr/>
-              <a:t>2/19/2020</a:t>
+              <a:t>2/24/2020</a:t>
             </a:fld>
             <a:endParaRPr lang="en-US" dirty="0"/>
           </a:p>
@@ -5282,7 +5282,7 @@
             <a:fld id="{B61BEF0D-F0BB-DE4B-95CE-6DB70DBA9567}" type="datetimeFigureOut">
               <a:rPr lang="en-US" dirty="0"/>
               <a:pPr/>
-              <a:t>2/19/2020</a:t>
+              <a:t>2/24/2020</a:t>
             </a:fld>
             <a:endParaRPr lang="en-US" dirty="0"/>
           </a:p>
@@ -16122,7 +16122,7 @@
           <a:p>
             <a:r>
               <a:rPr lang="en-US" dirty="0"/>
-              <a:t>Ease of deploy and reproducibility</a:t>
+              <a:t>Ease of deployment and reproducibility</a:t>
             </a:r>
           </a:p>
           <a:p>
